--- a/files/Reunión 180925.pptx
+++ b/files/Reunión 180925.pptx
@@ -6,6 +6,8 @@
   </p:sldMasterIdLst>
   <p:sldIdLst>
     <p:sldId id="257" r:id="rId2"/>
+    <p:sldId id="258" r:id="rId3"/>
+    <p:sldId id="259" r:id="rId4"/>
   </p:sldIdLst>
   <p:sldSz cx="12192000" cy="6858000"/>
   <p:notesSz cx="6858000" cy="9144000"/>
@@ -104,6 +106,11 @@
       </a:defRPr>
     </a:lvl9pPr>
   </p:defaultTextStyle>
+  <p:extLst>
+    <p:ext uri="{EFAFB233-063F-42B5-8137-9DF3F51BA10A}">
+      <p15:sldGuideLst xmlns:p15="http://schemas.microsoft.com/office/powerpoint/2012/main"/>
+    </p:ext>
+  </p:extLst>
 </p:presentation>
 </file>
 
@@ -254,7 +261,7 @@
           <a:p>
             <a:fld id="{3C4C81BB-520A-498A-9EE5-C48F0EBCF097}" type="datetimeFigureOut">
               <a:rPr lang="es-MX" smtClean="0"/>
-              <a:t>17/09/2025</a:t>
+              <a:t>25/09/2025</a:t>
             </a:fld>
             <a:endParaRPr lang="es-MX"/>
           </a:p>
@@ -308,7 +315,7 @@
           <a:p>
             <a:fld id="{20A15275-51F2-4316-B6F6-E59CFA17CB8A}" type="slidenum">
               <a:rPr lang="es-MX" smtClean="0"/>
-              <a:t>‹Nº›</a:t>
+              <a:t>‹#›</a:t>
             </a:fld>
             <a:endParaRPr lang="es-MX"/>
           </a:p>
@@ -452,7 +459,7 @@
           <a:p>
             <a:fld id="{3C4C81BB-520A-498A-9EE5-C48F0EBCF097}" type="datetimeFigureOut">
               <a:rPr lang="es-MX" smtClean="0"/>
-              <a:t>17/09/2025</a:t>
+              <a:t>25/09/2025</a:t>
             </a:fld>
             <a:endParaRPr lang="es-MX"/>
           </a:p>
@@ -506,7 +513,7 @@
           <a:p>
             <a:fld id="{20A15275-51F2-4316-B6F6-E59CFA17CB8A}" type="slidenum">
               <a:rPr lang="es-MX" smtClean="0"/>
-              <a:t>‹Nº›</a:t>
+              <a:t>‹#›</a:t>
             </a:fld>
             <a:endParaRPr lang="es-MX"/>
           </a:p>
@@ -660,7 +667,7 @@
           <a:p>
             <a:fld id="{3C4C81BB-520A-498A-9EE5-C48F0EBCF097}" type="datetimeFigureOut">
               <a:rPr lang="es-MX" smtClean="0"/>
-              <a:t>17/09/2025</a:t>
+              <a:t>25/09/2025</a:t>
             </a:fld>
             <a:endParaRPr lang="es-MX"/>
           </a:p>
@@ -714,7 +721,7 @@
           <a:p>
             <a:fld id="{20A15275-51F2-4316-B6F6-E59CFA17CB8A}" type="slidenum">
               <a:rPr lang="es-MX" smtClean="0"/>
-              <a:t>‹Nº›</a:t>
+              <a:t>‹#›</a:t>
             </a:fld>
             <a:endParaRPr lang="es-MX"/>
           </a:p>
@@ -858,7 +865,7 @@
           <a:p>
             <a:fld id="{3C4C81BB-520A-498A-9EE5-C48F0EBCF097}" type="datetimeFigureOut">
               <a:rPr lang="es-MX" smtClean="0"/>
-              <a:t>17/09/2025</a:t>
+              <a:t>25/09/2025</a:t>
             </a:fld>
             <a:endParaRPr lang="es-MX"/>
           </a:p>
@@ -912,7 +919,7 @@
           <a:p>
             <a:fld id="{20A15275-51F2-4316-B6F6-E59CFA17CB8A}" type="slidenum">
               <a:rPr lang="es-MX" smtClean="0"/>
-              <a:t>‹Nº›</a:t>
+              <a:t>‹#›</a:t>
             </a:fld>
             <a:endParaRPr lang="es-MX"/>
           </a:p>
@@ -1133,7 +1140,7 @@
           <a:p>
             <a:fld id="{3C4C81BB-520A-498A-9EE5-C48F0EBCF097}" type="datetimeFigureOut">
               <a:rPr lang="es-MX" smtClean="0"/>
-              <a:t>17/09/2025</a:t>
+              <a:t>25/09/2025</a:t>
             </a:fld>
             <a:endParaRPr lang="es-MX"/>
           </a:p>
@@ -1187,7 +1194,7 @@
           <a:p>
             <a:fld id="{20A15275-51F2-4316-B6F6-E59CFA17CB8A}" type="slidenum">
               <a:rPr lang="es-MX" smtClean="0"/>
-              <a:t>‹Nº›</a:t>
+              <a:t>‹#›</a:t>
             </a:fld>
             <a:endParaRPr lang="es-MX"/>
           </a:p>
@@ -1398,7 +1405,7 @@
           <a:p>
             <a:fld id="{3C4C81BB-520A-498A-9EE5-C48F0EBCF097}" type="datetimeFigureOut">
               <a:rPr lang="es-MX" smtClean="0"/>
-              <a:t>17/09/2025</a:t>
+              <a:t>25/09/2025</a:t>
             </a:fld>
             <a:endParaRPr lang="es-MX"/>
           </a:p>
@@ -1452,7 +1459,7 @@
           <a:p>
             <a:fld id="{20A15275-51F2-4316-B6F6-E59CFA17CB8A}" type="slidenum">
               <a:rPr lang="es-MX" smtClean="0"/>
-              <a:t>‹Nº›</a:t>
+              <a:t>‹#›</a:t>
             </a:fld>
             <a:endParaRPr lang="es-MX"/>
           </a:p>
@@ -1810,7 +1817,7 @@
           <a:p>
             <a:fld id="{3C4C81BB-520A-498A-9EE5-C48F0EBCF097}" type="datetimeFigureOut">
               <a:rPr lang="es-MX" smtClean="0"/>
-              <a:t>17/09/2025</a:t>
+              <a:t>25/09/2025</a:t>
             </a:fld>
             <a:endParaRPr lang="es-MX"/>
           </a:p>
@@ -1864,7 +1871,7 @@
           <a:p>
             <a:fld id="{20A15275-51F2-4316-B6F6-E59CFA17CB8A}" type="slidenum">
               <a:rPr lang="es-MX" smtClean="0"/>
-              <a:t>‹Nº›</a:t>
+              <a:t>‹#›</a:t>
             </a:fld>
             <a:endParaRPr lang="es-MX"/>
           </a:p>
@@ -1951,7 +1958,7 @@
           <a:p>
             <a:fld id="{3C4C81BB-520A-498A-9EE5-C48F0EBCF097}" type="datetimeFigureOut">
               <a:rPr lang="es-MX" smtClean="0"/>
-              <a:t>17/09/2025</a:t>
+              <a:t>25/09/2025</a:t>
             </a:fld>
             <a:endParaRPr lang="es-MX"/>
           </a:p>
@@ -2005,7 +2012,7 @@
           <a:p>
             <a:fld id="{20A15275-51F2-4316-B6F6-E59CFA17CB8A}" type="slidenum">
               <a:rPr lang="es-MX" smtClean="0"/>
-              <a:t>‹Nº›</a:t>
+              <a:t>‹#›</a:t>
             </a:fld>
             <a:endParaRPr lang="es-MX"/>
           </a:p>
@@ -2064,7 +2071,7 @@
           <a:p>
             <a:fld id="{3C4C81BB-520A-498A-9EE5-C48F0EBCF097}" type="datetimeFigureOut">
               <a:rPr lang="es-MX" smtClean="0"/>
-              <a:t>17/09/2025</a:t>
+              <a:t>25/09/2025</a:t>
             </a:fld>
             <a:endParaRPr lang="es-MX"/>
           </a:p>
@@ -2118,7 +2125,7 @@
           <a:p>
             <a:fld id="{20A15275-51F2-4316-B6F6-E59CFA17CB8A}" type="slidenum">
               <a:rPr lang="es-MX" smtClean="0"/>
-              <a:t>‹Nº›</a:t>
+              <a:t>‹#›</a:t>
             </a:fld>
             <a:endParaRPr lang="es-MX"/>
           </a:p>
@@ -2375,7 +2382,7 @@
           <a:p>
             <a:fld id="{3C4C81BB-520A-498A-9EE5-C48F0EBCF097}" type="datetimeFigureOut">
               <a:rPr lang="es-MX" smtClean="0"/>
-              <a:t>17/09/2025</a:t>
+              <a:t>25/09/2025</a:t>
             </a:fld>
             <a:endParaRPr lang="es-MX"/>
           </a:p>
@@ -2429,7 +2436,7 @@
           <a:p>
             <a:fld id="{20A15275-51F2-4316-B6F6-E59CFA17CB8A}" type="slidenum">
               <a:rPr lang="es-MX" smtClean="0"/>
-              <a:t>‹Nº›</a:t>
+              <a:t>‹#›</a:t>
             </a:fld>
             <a:endParaRPr lang="es-MX"/>
           </a:p>
@@ -2663,7 +2670,7 @@
           <a:p>
             <a:fld id="{3C4C81BB-520A-498A-9EE5-C48F0EBCF097}" type="datetimeFigureOut">
               <a:rPr lang="es-MX" smtClean="0"/>
-              <a:t>17/09/2025</a:t>
+              <a:t>25/09/2025</a:t>
             </a:fld>
             <a:endParaRPr lang="es-MX"/>
           </a:p>
@@ -2717,7 +2724,7 @@
           <a:p>
             <a:fld id="{20A15275-51F2-4316-B6F6-E59CFA17CB8A}" type="slidenum">
               <a:rPr lang="es-MX" smtClean="0"/>
-              <a:t>‹Nº›</a:t>
+              <a:t>‹#›</a:t>
             </a:fld>
             <a:endParaRPr lang="es-MX"/>
           </a:p>
@@ -2904,7 +2911,7 @@
           <a:p>
             <a:fld id="{3C4C81BB-520A-498A-9EE5-C48F0EBCF097}" type="datetimeFigureOut">
               <a:rPr lang="es-MX" smtClean="0"/>
-              <a:t>17/09/2025</a:t>
+              <a:t>25/09/2025</a:t>
             </a:fld>
             <a:endParaRPr lang="es-MX"/>
           </a:p>
@@ -2994,7 +3001,7 @@
           <a:p>
             <a:fld id="{20A15275-51F2-4316-B6F6-E59CFA17CB8A}" type="slidenum">
               <a:rPr lang="es-MX" smtClean="0"/>
-              <a:t>‹Nº›</a:t>
+              <a:t>‹#›</a:t>
             </a:fld>
             <a:endParaRPr lang="es-MX"/>
           </a:p>
@@ -3335,7 +3342,7 @@
         </p:nvSpPr>
         <p:spPr>
           <a:xfrm>
-            <a:off x="7500079" y="4294205"/>
+            <a:off x="5317710" y="4355120"/>
             <a:ext cx="3837482" cy="1888760"/>
           </a:xfrm>
           <a:prstGeom prst="rect">
@@ -3379,7 +3386,7 @@
         </p:nvSpPr>
         <p:spPr>
           <a:xfrm>
-            <a:off x="477186" y="4355120"/>
+            <a:off x="501570" y="4355120"/>
             <a:ext cx="3837482" cy="1888760"/>
           </a:xfrm>
           <a:prstGeom prst="rect">
@@ -3423,7 +3430,7 @@
         </p:nvSpPr>
         <p:spPr>
           <a:xfrm>
-            <a:off x="864431" y="354743"/>
+            <a:off x="1181423" y="354743"/>
             <a:ext cx="2443396" cy="494675"/>
           </a:xfrm>
           <a:prstGeom prst="rect">
@@ -3472,7 +3479,7 @@
         </p:nvSpPr>
         <p:spPr>
           <a:xfrm>
-            <a:off x="864431" y="1254153"/>
+            <a:off x="1035119" y="1205385"/>
             <a:ext cx="2758190" cy="464695"/>
           </a:xfrm>
           <a:prstGeom prst="rect">
@@ -3502,7 +3509,7 @@
             <a:pPr algn="ctr"/>
             <a:r>
               <a:rPr lang="es-MX" dirty="0"/>
-              <a:t>Delegado regional (6)</a:t>
+              <a:t>Delegado regional</a:t>
             </a:r>
           </a:p>
         </p:txBody>
@@ -3521,7 +3528,7 @@
         </p:nvSpPr>
         <p:spPr>
           <a:xfrm>
-            <a:off x="864431" y="2014903"/>
+            <a:off x="1035119" y="2014903"/>
             <a:ext cx="2758190" cy="464695"/>
           </a:xfrm>
           <a:prstGeom prst="rect">
@@ -3551,7 +3558,7 @@
             <a:pPr algn="ctr"/>
             <a:r>
               <a:rPr lang="es-MX" dirty="0"/>
-              <a:t>Coordinador distrital (24)</a:t>
+              <a:t>Coordinador distrital</a:t>
             </a:r>
           </a:p>
         </p:txBody>
@@ -3570,7 +3577,7 @@
         </p:nvSpPr>
         <p:spPr>
           <a:xfrm>
-            <a:off x="864431" y="2802124"/>
+            <a:off x="925391" y="2802124"/>
             <a:ext cx="2983042" cy="1198735"/>
           </a:xfrm>
           <a:prstGeom prst="rect">
@@ -3600,14 +3607,7 @@
             <a:pPr algn="ctr"/>
             <a:r>
               <a:rPr lang="es-MX" dirty="0"/>
-              <a:t>Coordinador Municipal (113)</a:t>
-            </a:r>
-          </a:p>
-          <a:p>
-            <a:pPr algn="ctr"/>
-            <a:r>
-              <a:rPr lang="es-MX" dirty="0"/>
-              <a:t>Estos si capturan sus presidentes seccionales</a:t>
+              <a:t>Coordinador Municipal</a:t>
             </a:r>
           </a:p>
         </p:txBody>
@@ -3656,7 +3656,7 @@
             <a:pPr algn="ctr"/>
             <a:r>
               <a:rPr lang="es-MX" dirty="0"/>
-              <a:t>Presidente comité seccional</a:t>
+              <a:t>Comités seccionales</a:t>
             </a:r>
           </a:p>
         </p:txBody>
@@ -3705,7 +3705,7 @@
             <a:pPr algn="ctr"/>
             <a:r>
               <a:rPr lang="es-MX" dirty="0"/>
-              <a:t>Integrantes (sin usuario)</a:t>
+              <a:t>Integrantes</a:t>
             </a:r>
           </a:p>
         </p:txBody>
@@ -3724,7 +3724,7 @@
         </p:nvSpPr>
         <p:spPr>
           <a:xfrm>
-            <a:off x="8062211" y="4586992"/>
+            <a:off x="5928610" y="4647907"/>
             <a:ext cx="2758190" cy="637564"/>
           </a:xfrm>
           <a:prstGeom prst="rect">
@@ -3754,54 +3754,11 @@
             <a:pPr algn="ctr"/>
             <a:r>
               <a:rPr lang="es-MX" dirty="0"/>
-              <a:t>Comités especiales (los da de alta el coord. Distrital)</a:t>
-            </a:r>
-          </a:p>
-        </p:txBody>
-      </p:sp>
-      <p:cxnSp>
-        <p:nvCxnSpPr>
-          <p:cNvPr id="13" name="Conector recto de flecha 12">
-            <a:extLst>
-              <a:ext uri="{FF2B5EF4-FFF2-40B4-BE49-F238E27FC236}">
-                <a16:creationId xmlns:a16="http://schemas.microsoft.com/office/drawing/2014/main" id="{4E1B76F9-CE20-798A-7A8B-BB1D8B984509}"/>
-              </a:ext>
-            </a:extLst>
-          </p:cNvPr>
-          <p:cNvCxnSpPr>
-            <a:cxnSpLocks/>
-            <a:stCxn id="6" idx="3"/>
-            <a:endCxn id="11" idx="1"/>
-          </p:cNvCxnSpPr>
-          <p:nvPr/>
-        </p:nvCxnSpPr>
-        <p:spPr>
-          <a:xfrm>
-            <a:off x="3622621" y="2247251"/>
-            <a:ext cx="4439590" cy="2658523"/>
-          </a:xfrm>
-          <a:prstGeom prst="straightConnector1">
-            <a:avLst/>
-          </a:prstGeom>
-          <a:ln>
-            <a:tailEnd type="triangle"/>
-          </a:ln>
-        </p:spPr>
-        <p:style>
-          <a:lnRef idx="1">
-            <a:schemeClr val="accent1"/>
-          </a:lnRef>
-          <a:fillRef idx="0">
-            <a:schemeClr val="accent1"/>
-          </a:fillRef>
-          <a:effectRef idx="0">
-            <a:schemeClr val="accent1"/>
-          </a:effectRef>
-          <a:fontRef idx="minor">
-            <a:schemeClr val="tx1"/>
-          </a:fontRef>
-        </p:style>
-      </p:cxnSp>
+              <a:t>Comités especiales</a:t>
+            </a:r>
+          </a:p>
+        </p:txBody>
+      </p:sp>
       <p:sp>
         <p:nvSpPr>
           <p:cNvPr id="17" name="Rectángulo 16">
@@ -3816,7 +3773,7 @@
         </p:nvSpPr>
         <p:spPr>
           <a:xfrm>
-            <a:off x="8062211" y="5471413"/>
+            <a:off x="5928610" y="5532328"/>
             <a:ext cx="2758190" cy="464695"/>
           </a:xfrm>
           <a:prstGeom prst="rect">
@@ -3846,11 +3803,255 @@
             <a:pPr algn="ctr"/>
             <a:r>
               <a:rPr lang="es-MX" dirty="0"/>
-              <a:t>Integrantes sin usuario</a:t>
-            </a:r>
-          </a:p>
-        </p:txBody>
-      </p:sp>
+              <a:t>Integrantes</a:t>
+            </a:r>
+          </a:p>
+        </p:txBody>
+      </p:sp>
+      <p:cxnSp>
+        <p:nvCxnSpPr>
+          <p:cNvPr id="3" name="Conector recto de flecha 12">
+            <a:extLst>
+              <a:ext uri="{FF2B5EF4-FFF2-40B4-BE49-F238E27FC236}">
+                <a16:creationId xmlns:a16="http://schemas.microsoft.com/office/drawing/2014/main" id="{BFC4FDD2-8379-08D9-4C88-B634112085FA}"/>
+              </a:ext>
+            </a:extLst>
+          </p:cNvPr>
+          <p:cNvCxnSpPr>
+            <a:cxnSpLocks/>
+            <a:stCxn id="4" idx="2"/>
+            <a:endCxn id="5" idx="0"/>
+          </p:cNvCxnSpPr>
+          <p:nvPr/>
+        </p:nvCxnSpPr>
+        <p:spPr>
+          <a:xfrm>
+            <a:off x="2403121" y="849418"/>
+            <a:ext cx="11093" cy="355967"/>
+          </a:xfrm>
+          <a:prstGeom prst="straightConnector1">
+            <a:avLst/>
+          </a:prstGeom>
+          <a:ln w="28575">
+            <a:tailEnd type="triangle"/>
+          </a:ln>
+        </p:spPr>
+        <p:style>
+          <a:lnRef idx="1">
+            <a:schemeClr val="accent1"/>
+          </a:lnRef>
+          <a:fillRef idx="0">
+            <a:schemeClr val="accent1"/>
+          </a:fillRef>
+          <a:effectRef idx="0">
+            <a:schemeClr val="accent1"/>
+          </a:effectRef>
+          <a:fontRef idx="minor">
+            <a:schemeClr val="tx1"/>
+          </a:fontRef>
+        </p:style>
+      </p:cxnSp>
+      <p:cxnSp>
+        <p:nvCxnSpPr>
+          <p:cNvPr id="14" name="Conector recto de flecha 12">
+            <a:extLst>
+              <a:ext uri="{FF2B5EF4-FFF2-40B4-BE49-F238E27FC236}">
+                <a16:creationId xmlns:a16="http://schemas.microsoft.com/office/drawing/2014/main" id="{D02B51EB-405A-6869-D91B-933B1EBC926C}"/>
+              </a:ext>
+            </a:extLst>
+          </p:cNvPr>
+          <p:cNvCxnSpPr>
+            <a:cxnSpLocks/>
+            <a:stCxn id="5" idx="2"/>
+            <a:endCxn id="6" idx="0"/>
+          </p:cNvCxnSpPr>
+          <p:nvPr/>
+        </p:nvCxnSpPr>
+        <p:spPr>
+          <a:xfrm>
+            <a:off x="2414214" y="1670080"/>
+            <a:ext cx="0" cy="344823"/>
+          </a:xfrm>
+          <a:prstGeom prst="straightConnector1">
+            <a:avLst/>
+          </a:prstGeom>
+          <a:ln w="28575">
+            <a:tailEnd type="triangle"/>
+          </a:ln>
+        </p:spPr>
+        <p:style>
+          <a:lnRef idx="1">
+            <a:schemeClr val="accent1"/>
+          </a:lnRef>
+          <a:fillRef idx="0">
+            <a:schemeClr val="accent1"/>
+          </a:fillRef>
+          <a:effectRef idx="0">
+            <a:schemeClr val="accent1"/>
+          </a:effectRef>
+          <a:fontRef idx="minor">
+            <a:schemeClr val="tx1"/>
+          </a:fontRef>
+        </p:style>
+      </p:cxnSp>
+      <p:cxnSp>
+        <p:nvCxnSpPr>
+          <p:cNvPr id="21" name="Conector recto de flecha 12">
+            <a:extLst>
+              <a:ext uri="{FF2B5EF4-FFF2-40B4-BE49-F238E27FC236}">
+                <a16:creationId xmlns:a16="http://schemas.microsoft.com/office/drawing/2014/main" id="{B607EACA-9B18-3417-8A3C-7F627213C269}"/>
+              </a:ext>
+            </a:extLst>
+          </p:cNvPr>
+          <p:cNvCxnSpPr>
+            <a:cxnSpLocks/>
+            <a:stCxn id="6" idx="2"/>
+            <a:endCxn id="7" idx="0"/>
+          </p:cNvCxnSpPr>
+          <p:nvPr/>
+        </p:nvCxnSpPr>
+        <p:spPr>
+          <a:xfrm>
+            <a:off x="2414214" y="2479598"/>
+            <a:ext cx="2698" cy="322526"/>
+          </a:xfrm>
+          <a:prstGeom prst="straightConnector1">
+            <a:avLst/>
+          </a:prstGeom>
+          <a:ln w="28575">
+            <a:tailEnd type="triangle"/>
+          </a:ln>
+        </p:spPr>
+        <p:style>
+          <a:lnRef idx="1">
+            <a:schemeClr val="accent1"/>
+          </a:lnRef>
+          <a:fillRef idx="0">
+            <a:schemeClr val="accent1"/>
+          </a:fillRef>
+          <a:effectRef idx="0">
+            <a:schemeClr val="accent1"/>
+          </a:effectRef>
+          <a:fontRef idx="minor">
+            <a:schemeClr val="tx1"/>
+          </a:fontRef>
+        </p:style>
+      </p:cxnSp>
+      <p:cxnSp>
+        <p:nvCxnSpPr>
+          <p:cNvPr id="24" name="Conector recto de flecha 12">
+            <a:extLst>
+              <a:ext uri="{FF2B5EF4-FFF2-40B4-BE49-F238E27FC236}">
+                <a16:creationId xmlns:a16="http://schemas.microsoft.com/office/drawing/2014/main" id="{EB8F5CB2-9839-17A1-32A6-78BAD765FCB1}"/>
+              </a:ext>
+            </a:extLst>
+          </p:cNvPr>
+          <p:cNvCxnSpPr>
+            <a:cxnSpLocks/>
+            <a:stCxn id="7" idx="2"/>
+            <a:endCxn id="18" idx="0"/>
+          </p:cNvCxnSpPr>
+          <p:nvPr/>
+        </p:nvCxnSpPr>
+        <p:spPr>
+          <a:xfrm>
+            <a:off x="2416912" y="4000859"/>
+            <a:ext cx="3399" cy="354261"/>
+          </a:xfrm>
+          <a:prstGeom prst="straightConnector1">
+            <a:avLst/>
+          </a:prstGeom>
+          <a:ln w="28575">
+            <a:tailEnd type="triangle"/>
+          </a:ln>
+        </p:spPr>
+        <p:style>
+          <a:lnRef idx="1">
+            <a:schemeClr val="accent1"/>
+          </a:lnRef>
+          <a:fillRef idx="0">
+            <a:schemeClr val="accent1"/>
+          </a:fillRef>
+          <a:effectRef idx="0">
+            <a:schemeClr val="accent1"/>
+          </a:effectRef>
+          <a:fontRef idx="minor">
+            <a:schemeClr val="tx1"/>
+          </a:fontRef>
+        </p:style>
+      </p:cxnSp>
+      <p:cxnSp>
+        <p:nvCxnSpPr>
+          <p:cNvPr id="30" name="Connector: Elbow 29">
+            <a:extLst>
+              <a:ext uri="{FF2B5EF4-FFF2-40B4-BE49-F238E27FC236}">
+                <a16:creationId xmlns:a16="http://schemas.microsoft.com/office/drawing/2014/main" id="{7EC7359A-5786-9D25-33FD-FD61A2127972}"/>
+              </a:ext>
+            </a:extLst>
+          </p:cNvPr>
+          <p:cNvCxnSpPr>
+            <a:stCxn id="6" idx="3"/>
+            <a:endCxn id="20" idx="0"/>
+          </p:cNvCxnSpPr>
+          <p:nvPr/>
+        </p:nvCxnSpPr>
+        <p:spPr>
+          <a:xfrm>
+            <a:off x="3793309" y="2247251"/>
+            <a:ext cx="3443142" cy="2107869"/>
+          </a:xfrm>
+          <a:prstGeom prst="bentConnector2">
+            <a:avLst/>
+          </a:prstGeom>
+          <a:ln w="28575">
+            <a:tailEnd type="triangle"/>
+          </a:ln>
+        </p:spPr>
+        <p:style>
+          <a:lnRef idx="1">
+            <a:schemeClr val="accent1"/>
+          </a:lnRef>
+          <a:fillRef idx="0">
+            <a:schemeClr val="accent1"/>
+          </a:fillRef>
+          <a:effectRef idx="0">
+            <a:schemeClr val="accent1"/>
+          </a:effectRef>
+          <a:fontRef idx="minor">
+            <a:schemeClr val="tx1"/>
+          </a:fontRef>
+        </p:style>
+      </p:cxnSp>
+    </p:spTree>
+    <p:extLst>
+      <p:ext uri="{BB962C8B-B14F-4D97-AF65-F5344CB8AC3E}">
+        <p14:creationId xmlns:p14="http://schemas.microsoft.com/office/powerpoint/2010/main" val="1787380323"/>
+      </p:ext>
+    </p:extLst>
+  </p:cSld>
+  <p:clrMapOvr>
+    <a:masterClrMapping/>
+  </p:clrMapOvr>
+</p:sld>
+</file>
+
+<file path=ppt/slides/slide2.xml><?xml version="1.0" encoding="utf-8"?>
+<p:sld xmlns:a="http://schemas.openxmlformats.org/drawingml/2006/main" xmlns:r="http://schemas.openxmlformats.org/officeDocument/2006/relationships" xmlns:p="http://schemas.openxmlformats.org/presentationml/2006/main">
+  <p:cSld>
+    <p:spTree>
+      <p:nvGrpSpPr>
+        <p:cNvPr id="1" name=""/>
+        <p:cNvGrpSpPr/>
+        <p:nvPr/>
+      </p:nvGrpSpPr>
+      <p:grpSpPr>
+        <a:xfrm>
+          <a:off x="0" y="0"/>
+          <a:ext cx="0" cy="0"/>
+          <a:chOff x="0" y="0"/>
+          <a:chExt cx="0" cy="0"/>
+        </a:xfrm>
+      </p:grpSpPr>
       <p:sp>
         <p:nvSpPr>
           <p:cNvPr id="19" name="CuadroTexto 18">
@@ -3865,8 +4066,8 @@
         </p:nvSpPr>
         <p:spPr>
           <a:xfrm>
-            <a:off x="6150963" y="805006"/>
-            <a:ext cx="5296525" cy="2031325"/>
+            <a:off x="3447737" y="2413337"/>
+            <a:ext cx="5296525" cy="1754326"/>
           </a:xfrm>
           <a:prstGeom prst="rect">
             <a:avLst/>
@@ -3938,19 +4139,743 @@
               <a:t>No lleva nombre de comité, nombre del Presidente</a:t>
             </a:r>
           </a:p>
-          <a:p>
-            <a:pPr marL="285750" indent="-285750">
-              <a:buFont typeface="Arial" panose="020B0604020202020204" pitchFamily="34" charset="0"/>
-              <a:buChar char="•"/>
-            </a:pPr>
-            <a:endParaRPr lang="es-MX" dirty="0"/>
-          </a:p>
         </p:txBody>
       </p:sp>
     </p:spTree>
     <p:extLst>
       <p:ext uri="{BB962C8B-B14F-4D97-AF65-F5344CB8AC3E}">
-        <p14:creationId xmlns:p14="http://schemas.microsoft.com/office/powerpoint/2010/main" val="1787380323"/>
+        <p14:creationId xmlns:p14="http://schemas.microsoft.com/office/powerpoint/2010/main" val="4065912494"/>
+      </p:ext>
+    </p:extLst>
+  </p:cSld>
+  <p:clrMapOvr>
+    <a:masterClrMapping/>
+  </p:clrMapOvr>
+</p:sld>
+</file>
+
+<file path=ppt/slides/slide3.xml><?xml version="1.0" encoding="utf-8"?>
+<p:sld xmlns:a="http://schemas.openxmlformats.org/drawingml/2006/main" xmlns:r="http://schemas.openxmlformats.org/officeDocument/2006/relationships" xmlns:p="http://schemas.openxmlformats.org/presentationml/2006/main">
+  <p:cSld>
+    <p:spTree>
+      <p:nvGrpSpPr>
+        <p:cNvPr id="1" name=""/>
+        <p:cNvGrpSpPr/>
+        <p:nvPr/>
+      </p:nvGrpSpPr>
+      <p:grpSpPr>
+        <a:xfrm>
+          <a:off x="0" y="0"/>
+          <a:ext cx="0" cy="0"/>
+          <a:chOff x="0" y="0"/>
+          <a:chExt cx="0" cy="0"/>
+        </a:xfrm>
+      </p:grpSpPr>
+      <p:sp>
+        <p:nvSpPr>
+          <p:cNvPr id="2" name="Rectángulo 19">
+            <a:extLst>
+              <a:ext uri="{FF2B5EF4-FFF2-40B4-BE49-F238E27FC236}">
+                <a16:creationId xmlns:a16="http://schemas.microsoft.com/office/drawing/2014/main" id="{1AC26855-3282-6225-8FA7-9B302C6FC4F6}"/>
+              </a:ext>
+            </a:extLst>
+          </p:cNvPr>
+          <p:cNvSpPr/>
+          <p:nvPr/>
+        </p:nvSpPr>
+        <p:spPr>
+          <a:xfrm>
+            <a:off x="5317710" y="4355120"/>
+            <a:ext cx="3837482" cy="1888760"/>
+          </a:xfrm>
+          <a:prstGeom prst="rect">
+            <a:avLst/>
+          </a:prstGeom>
+        </p:spPr>
+        <p:style>
+          <a:lnRef idx="3">
+            <a:schemeClr val="lt1"/>
+          </a:lnRef>
+          <a:fillRef idx="1">
+            <a:schemeClr val="accent2"/>
+          </a:fillRef>
+          <a:effectRef idx="1">
+            <a:schemeClr val="accent2"/>
+          </a:effectRef>
+          <a:fontRef idx="minor">
+            <a:schemeClr val="lt1"/>
+          </a:fontRef>
+        </p:style>
+        <p:txBody>
+          <a:bodyPr rtlCol="0" anchor="ctr"/>
+          <a:lstStyle/>
+          <a:p>
+            <a:pPr algn="ctr"/>
+            <a:endParaRPr lang="es-MX"/>
+          </a:p>
+        </p:txBody>
+      </p:sp>
+      <p:sp>
+        <p:nvSpPr>
+          <p:cNvPr id="3" name="Rectángulo 17">
+            <a:extLst>
+              <a:ext uri="{FF2B5EF4-FFF2-40B4-BE49-F238E27FC236}">
+                <a16:creationId xmlns:a16="http://schemas.microsoft.com/office/drawing/2014/main" id="{D9648E2A-D86A-5227-6462-1D139D61DC57}"/>
+              </a:ext>
+            </a:extLst>
+          </p:cNvPr>
+          <p:cNvSpPr/>
+          <p:nvPr/>
+        </p:nvSpPr>
+        <p:spPr>
+          <a:xfrm>
+            <a:off x="501570" y="4355120"/>
+            <a:ext cx="3837482" cy="1888760"/>
+          </a:xfrm>
+          <a:prstGeom prst="rect">
+            <a:avLst/>
+          </a:prstGeom>
+        </p:spPr>
+        <p:style>
+          <a:lnRef idx="3">
+            <a:schemeClr val="lt1"/>
+          </a:lnRef>
+          <a:fillRef idx="1">
+            <a:schemeClr val="accent2"/>
+          </a:fillRef>
+          <a:effectRef idx="1">
+            <a:schemeClr val="accent2"/>
+          </a:effectRef>
+          <a:fontRef idx="minor">
+            <a:schemeClr val="lt1"/>
+          </a:fontRef>
+        </p:style>
+        <p:txBody>
+          <a:bodyPr rtlCol="0" anchor="ctr"/>
+          <a:lstStyle/>
+          <a:p>
+            <a:pPr algn="ctr"/>
+            <a:endParaRPr lang="es-MX"/>
+          </a:p>
+        </p:txBody>
+      </p:sp>
+      <p:sp>
+        <p:nvSpPr>
+          <p:cNvPr id="4" name="Rectángulo 3">
+            <a:extLst>
+              <a:ext uri="{FF2B5EF4-FFF2-40B4-BE49-F238E27FC236}">
+                <a16:creationId xmlns:a16="http://schemas.microsoft.com/office/drawing/2014/main" id="{0BFC2FAC-B513-572B-261D-38B11869359D}"/>
+              </a:ext>
+            </a:extLst>
+          </p:cNvPr>
+          <p:cNvSpPr/>
+          <p:nvPr/>
+        </p:nvSpPr>
+        <p:spPr>
+          <a:xfrm>
+            <a:off x="1181423" y="354743"/>
+            <a:ext cx="2443396" cy="494675"/>
+          </a:xfrm>
+          <a:prstGeom prst="rect">
+            <a:avLst/>
+          </a:prstGeom>
+        </p:spPr>
+        <p:style>
+          <a:lnRef idx="2">
+            <a:schemeClr val="accent1">
+              <a:shade val="15000"/>
+            </a:schemeClr>
+          </a:lnRef>
+          <a:fillRef idx="1">
+            <a:schemeClr val="accent1"/>
+          </a:fillRef>
+          <a:effectRef idx="0">
+            <a:schemeClr val="accent1"/>
+          </a:effectRef>
+          <a:fontRef idx="minor">
+            <a:schemeClr val="lt1"/>
+          </a:fontRef>
+        </p:style>
+        <p:txBody>
+          <a:bodyPr rtlCol="0" anchor="ctr"/>
+          <a:lstStyle/>
+          <a:p>
+            <a:pPr algn="ctr"/>
+            <a:r>
+              <a:rPr lang="es-MX" dirty="0"/>
+              <a:t>Coordinador Estatal</a:t>
+            </a:r>
+          </a:p>
+        </p:txBody>
+      </p:sp>
+      <p:sp>
+        <p:nvSpPr>
+          <p:cNvPr id="5" name="Rectángulo 4">
+            <a:extLst>
+              <a:ext uri="{FF2B5EF4-FFF2-40B4-BE49-F238E27FC236}">
+                <a16:creationId xmlns:a16="http://schemas.microsoft.com/office/drawing/2014/main" id="{D96E1563-485A-F3BA-C5A7-CEFEBC75971D}"/>
+              </a:ext>
+            </a:extLst>
+          </p:cNvPr>
+          <p:cNvSpPr/>
+          <p:nvPr/>
+        </p:nvSpPr>
+        <p:spPr>
+          <a:xfrm>
+            <a:off x="1035119" y="1205385"/>
+            <a:ext cx="2758190" cy="464695"/>
+          </a:xfrm>
+          <a:prstGeom prst="rect">
+            <a:avLst/>
+          </a:prstGeom>
+        </p:spPr>
+        <p:style>
+          <a:lnRef idx="2">
+            <a:schemeClr val="accent1">
+              <a:shade val="15000"/>
+            </a:schemeClr>
+          </a:lnRef>
+          <a:fillRef idx="1">
+            <a:schemeClr val="accent1"/>
+          </a:fillRef>
+          <a:effectRef idx="0">
+            <a:schemeClr val="accent1"/>
+          </a:effectRef>
+          <a:fontRef idx="minor">
+            <a:schemeClr val="lt1"/>
+          </a:fontRef>
+        </p:style>
+        <p:txBody>
+          <a:bodyPr rtlCol="0" anchor="ctr"/>
+          <a:lstStyle/>
+          <a:p>
+            <a:pPr algn="ctr"/>
+            <a:r>
+              <a:rPr lang="es-MX" dirty="0"/>
+              <a:t>Delegado regional (6)</a:t>
+            </a:r>
+          </a:p>
+        </p:txBody>
+      </p:sp>
+      <p:sp>
+        <p:nvSpPr>
+          <p:cNvPr id="6" name="Rectángulo 5">
+            <a:extLst>
+              <a:ext uri="{FF2B5EF4-FFF2-40B4-BE49-F238E27FC236}">
+                <a16:creationId xmlns:a16="http://schemas.microsoft.com/office/drawing/2014/main" id="{A17CCBED-86E4-DD60-0915-45AD0ED129AF}"/>
+              </a:ext>
+            </a:extLst>
+          </p:cNvPr>
+          <p:cNvSpPr/>
+          <p:nvPr/>
+        </p:nvSpPr>
+        <p:spPr>
+          <a:xfrm>
+            <a:off x="1035119" y="2014903"/>
+            <a:ext cx="2758190" cy="464695"/>
+          </a:xfrm>
+          <a:prstGeom prst="rect">
+            <a:avLst/>
+          </a:prstGeom>
+        </p:spPr>
+        <p:style>
+          <a:lnRef idx="2">
+            <a:schemeClr val="accent1">
+              <a:shade val="15000"/>
+            </a:schemeClr>
+          </a:lnRef>
+          <a:fillRef idx="1">
+            <a:schemeClr val="accent1"/>
+          </a:fillRef>
+          <a:effectRef idx="0">
+            <a:schemeClr val="accent1"/>
+          </a:effectRef>
+          <a:fontRef idx="minor">
+            <a:schemeClr val="lt1"/>
+          </a:fontRef>
+        </p:style>
+        <p:txBody>
+          <a:bodyPr rtlCol="0" anchor="ctr"/>
+          <a:lstStyle/>
+          <a:p>
+            <a:pPr algn="ctr"/>
+            <a:r>
+              <a:rPr lang="es-MX" dirty="0"/>
+              <a:t>Coordinador distrital (24)</a:t>
+            </a:r>
+          </a:p>
+        </p:txBody>
+      </p:sp>
+      <p:sp>
+        <p:nvSpPr>
+          <p:cNvPr id="7" name="Rectángulo 6">
+            <a:extLst>
+              <a:ext uri="{FF2B5EF4-FFF2-40B4-BE49-F238E27FC236}">
+                <a16:creationId xmlns:a16="http://schemas.microsoft.com/office/drawing/2014/main" id="{99947855-539A-9227-49DF-DD46C355F6D4}"/>
+              </a:ext>
+            </a:extLst>
+          </p:cNvPr>
+          <p:cNvSpPr/>
+          <p:nvPr/>
+        </p:nvSpPr>
+        <p:spPr>
+          <a:xfrm>
+            <a:off x="925391" y="2802124"/>
+            <a:ext cx="2983042" cy="1198735"/>
+          </a:xfrm>
+          <a:prstGeom prst="rect">
+            <a:avLst/>
+          </a:prstGeom>
+        </p:spPr>
+        <p:style>
+          <a:lnRef idx="2">
+            <a:schemeClr val="accent1">
+              <a:shade val="15000"/>
+            </a:schemeClr>
+          </a:lnRef>
+          <a:fillRef idx="1">
+            <a:schemeClr val="accent1"/>
+          </a:fillRef>
+          <a:effectRef idx="0">
+            <a:schemeClr val="accent1"/>
+          </a:effectRef>
+          <a:fontRef idx="minor">
+            <a:schemeClr val="lt1"/>
+          </a:fontRef>
+        </p:style>
+        <p:txBody>
+          <a:bodyPr rtlCol="0" anchor="ctr"/>
+          <a:lstStyle/>
+          <a:p>
+            <a:pPr algn="ctr"/>
+            <a:r>
+              <a:rPr lang="es-MX" dirty="0"/>
+              <a:t>Coordinador Municipal (113)</a:t>
+            </a:r>
+          </a:p>
+          <a:p>
+            <a:pPr algn="ctr"/>
+            <a:r>
+              <a:rPr lang="es-MX" dirty="0"/>
+              <a:t>Estos si capturan sus presidentes seccionales</a:t>
+            </a:r>
+          </a:p>
+        </p:txBody>
+      </p:sp>
+      <p:sp>
+        <p:nvSpPr>
+          <p:cNvPr id="8" name="Rectángulo 7">
+            <a:extLst>
+              <a:ext uri="{FF2B5EF4-FFF2-40B4-BE49-F238E27FC236}">
+                <a16:creationId xmlns:a16="http://schemas.microsoft.com/office/drawing/2014/main" id="{2FDFE969-7171-BFBD-36AC-7C04541568B2}"/>
+              </a:ext>
+            </a:extLst>
+          </p:cNvPr>
+          <p:cNvSpPr/>
+          <p:nvPr/>
+        </p:nvSpPr>
+        <p:spPr>
+          <a:xfrm>
+            <a:off x="851940" y="4609955"/>
+            <a:ext cx="2983042" cy="464695"/>
+          </a:xfrm>
+          <a:prstGeom prst="rect">
+            <a:avLst/>
+          </a:prstGeom>
+        </p:spPr>
+        <p:style>
+          <a:lnRef idx="2">
+            <a:schemeClr val="accent1">
+              <a:shade val="15000"/>
+            </a:schemeClr>
+          </a:lnRef>
+          <a:fillRef idx="1">
+            <a:schemeClr val="accent1"/>
+          </a:fillRef>
+          <a:effectRef idx="0">
+            <a:schemeClr val="accent1"/>
+          </a:effectRef>
+          <a:fontRef idx="minor">
+            <a:schemeClr val="lt1"/>
+          </a:fontRef>
+        </p:style>
+        <p:txBody>
+          <a:bodyPr rtlCol="0" anchor="ctr"/>
+          <a:lstStyle/>
+          <a:p>
+            <a:pPr algn="ctr"/>
+            <a:r>
+              <a:rPr lang="es-MX" dirty="0"/>
+              <a:t>Comités seccionales</a:t>
+            </a:r>
+          </a:p>
+        </p:txBody>
+      </p:sp>
+      <p:sp>
+        <p:nvSpPr>
+          <p:cNvPr id="9" name="Rectángulo 9">
+            <a:extLst>
+              <a:ext uri="{FF2B5EF4-FFF2-40B4-BE49-F238E27FC236}">
+                <a16:creationId xmlns:a16="http://schemas.microsoft.com/office/drawing/2014/main" id="{06DD6DB2-4D0A-08F2-3387-19E24BA9A679}"/>
+              </a:ext>
+            </a:extLst>
+          </p:cNvPr>
+          <p:cNvSpPr/>
+          <p:nvPr/>
+        </p:nvSpPr>
+        <p:spPr>
+          <a:xfrm>
+            <a:off x="851940" y="5479385"/>
+            <a:ext cx="2983042" cy="464695"/>
+          </a:xfrm>
+          <a:prstGeom prst="rect">
+            <a:avLst/>
+          </a:prstGeom>
+        </p:spPr>
+        <p:style>
+          <a:lnRef idx="2">
+            <a:schemeClr val="accent1">
+              <a:shade val="15000"/>
+            </a:schemeClr>
+          </a:lnRef>
+          <a:fillRef idx="1">
+            <a:schemeClr val="accent1"/>
+          </a:fillRef>
+          <a:effectRef idx="0">
+            <a:schemeClr val="accent1"/>
+          </a:effectRef>
+          <a:fontRef idx="minor">
+            <a:schemeClr val="lt1"/>
+          </a:fontRef>
+        </p:style>
+        <p:txBody>
+          <a:bodyPr rtlCol="0" anchor="ctr"/>
+          <a:lstStyle/>
+          <a:p>
+            <a:pPr algn="ctr"/>
+            <a:r>
+              <a:rPr lang="es-MX" dirty="0"/>
+              <a:t>Integrante</a:t>
+            </a:r>
+          </a:p>
+        </p:txBody>
+      </p:sp>
+      <p:sp>
+        <p:nvSpPr>
+          <p:cNvPr id="10" name="Rectángulo 10">
+            <a:extLst>
+              <a:ext uri="{FF2B5EF4-FFF2-40B4-BE49-F238E27FC236}">
+                <a16:creationId xmlns:a16="http://schemas.microsoft.com/office/drawing/2014/main" id="{EA25602A-10C5-CF89-979A-9D8B911C8A7C}"/>
+              </a:ext>
+            </a:extLst>
+          </p:cNvPr>
+          <p:cNvSpPr/>
+          <p:nvPr/>
+        </p:nvSpPr>
+        <p:spPr>
+          <a:xfrm>
+            <a:off x="5928610" y="4647907"/>
+            <a:ext cx="2758190" cy="637564"/>
+          </a:xfrm>
+          <a:prstGeom prst="rect">
+            <a:avLst/>
+          </a:prstGeom>
+        </p:spPr>
+        <p:style>
+          <a:lnRef idx="2">
+            <a:schemeClr val="accent1">
+              <a:shade val="15000"/>
+            </a:schemeClr>
+          </a:lnRef>
+          <a:fillRef idx="1">
+            <a:schemeClr val="accent1"/>
+          </a:fillRef>
+          <a:effectRef idx="0">
+            <a:schemeClr val="accent1"/>
+          </a:effectRef>
+          <a:fontRef idx="minor">
+            <a:schemeClr val="lt1"/>
+          </a:fontRef>
+        </p:style>
+        <p:txBody>
+          <a:bodyPr rtlCol="0" anchor="ctr"/>
+          <a:lstStyle/>
+          <a:p>
+            <a:pPr algn="ctr"/>
+            <a:r>
+              <a:rPr lang="es-MX" dirty="0"/>
+              <a:t>Comités especiales (los da de alta el coord. Distrital)</a:t>
+            </a:r>
+          </a:p>
+        </p:txBody>
+      </p:sp>
+      <p:sp>
+        <p:nvSpPr>
+          <p:cNvPr id="11" name="Rectángulo 16">
+            <a:extLst>
+              <a:ext uri="{FF2B5EF4-FFF2-40B4-BE49-F238E27FC236}">
+                <a16:creationId xmlns:a16="http://schemas.microsoft.com/office/drawing/2014/main" id="{A2CC47AD-3851-B060-295F-3C13364A9CF6}"/>
+              </a:ext>
+            </a:extLst>
+          </p:cNvPr>
+          <p:cNvSpPr/>
+          <p:nvPr/>
+        </p:nvSpPr>
+        <p:spPr>
+          <a:xfrm>
+            <a:off x="5928610" y="5532328"/>
+            <a:ext cx="2758190" cy="464695"/>
+          </a:xfrm>
+          <a:prstGeom prst="rect">
+            <a:avLst/>
+          </a:prstGeom>
+        </p:spPr>
+        <p:style>
+          <a:lnRef idx="2">
+            <a:schemeClr val="accent1">
+              <a:shade val="15000"/>
+            </a:schemeClr>
+          </a:lnRef>
+          <a:fillRef idx="1">
+            <a:schemeClr val="accent1"/>
+          </a:fillRef>
+          <a:effectRef idx="0">
+            <a:schemeClr val="accent1"/>
+          </a:effectRef>
+          <a:fontRef idx="minor">
+            <a:schemeClr val="lt1"/>
+          </a:fontRef>
+        </p:style>
+        <p:txBody>
+          <a:bodyPr rtlCol="0" anchor="ctr"/>
+          <a:lstStyle/>
+          <a:p>
+            <a:pPr algn="ctr"/>
+            <a:r>
+              <a:rPr lang="es-MX" dirty="0"/>
+              <a:t>Integrantes sin usuario</a:t>
+            </a:r>
+          </a:p>
+        </p:txBody>
+      </p:sp>
+      <p:cxnSp>
+        <p:nvCxnSpPr>
+          <p:cNvPr id="12" name="Conector recto de flecha 12">
+            <a:extLst>
+              <a:ext uri="{FF2B5EF4-FFF2-40B4-BE49-F238E27FC236}">
+                <a16:creationId xmlns:a16="http://schemas.microsoft.com/office/drawing/2014/main" id="{16889617-A2BA-54DA-A5BF-D4DFC757E77A}"/>
+              </a:ext>
+            </a:extLst>
+          </p:cNvPr>
+          <p:cNvCxnSpPr>
+            <a:cxnSpLocks/>
+            <a:stCxn id="4" idx="2"/>
+            <a:endCxn id="5" idx="0"/>
+          </p:cNvCxnSpPr>
+          <p:nvPr/>
+        </p:nvCxnSpPr>
+        <p:spPr>
+          <a:xfrm>
+            <a:off x="2403121" y="849418"/>
+            <a:ext cx="11093" cy="355967"/>
+          </a:xfrm>
+          <a:prstGeom prst="straightConnector1">
+            <a:avLst/>
+          </a:prstGeom>
+          <a:ln>
+            <a:tailEnd type="triangle"/>
+          </a:ln>
+        </p:spPr>
+        <p:style>
+          <a:lnRef idx="1">
+            <a:schemeClr val="accent1"/>
+          </a:lnRef>
+          <a:fillRef idx="0">
+            <a:schemeClr val="accent1"/>
+          </a:fillRef>
+          <a:effectRef idx="0">
+            <a:schemeClr val="accent1"/>
+          </a:effectRef>
+          <a:fontRef idx="minor">
+            <a:schemeClr val="tx1"/>
+          </a:fontRef>
+        </p:style>
+      </p:cxnSp>
+      <p:cxnSp>
+        <p:nvCxnSpPr>
+          <p:cNvPr id="13" name="Conector recto de flecha 12">
+            <a:extLst>
+              <a:ext uri="{FF2B5EF4-FFF2-40B4-BE49-F238E27FC236}">
+                <a16:creationId xmlns:a16="http://schemas.microsoft.com/office/drawing/2014/main" id="{FCE79B6A-3A01-5B7B-AD46-6A6E62E3B8D8}"/>
+              </a:ext>
+            </a:extLst>
+          </p:cNvPr>
+          <p:cNvCxnSpPr>
+            <a:cxnSpLocks/>
+            <a:stCxn id="5" idx="2"/>
+            <a:endCxn id="6" idx="0"/>
+          </p:cNvCxnSpPr>
+          <p:nvPr/>
+        </p:nvCxnSpPr>
+        <p:spPr>
+          <a:xfrm>
+            <a:off x="2414214" y="1670080"/>
+            <a:ext cx="0" cy="344823"/>
+          </a:xfrm>
+          <a:prstGeom prst="straightConnector1">
+            <a:avLst/>
+          </a:prstGeom>
+          <a:ln>
+            <a:tailEnd type="triangle"/>
+          </a:ln>
+        </p:spPr>
+        <p:style>
+          <a:lnRef idx="1">
+            <a:schemeClr val="accent1"/>
+          </a:lnRef>
+          <a:fillRef idx="0">
+            <a:schemeClr val="accent1"/>
+          </a:fillRef>
+          <a:effectRef idx="0">
+            <a:schemeClr val="accent1"/>
+          </a:effectRef>
+          <a:fontRef idx="minor">
+            <a:schemeClr val="tx1"/>
+          </a:fontRef>
+        </p:style>
+      </p:cxnSp>
+      <p:cxnSp>
+        <p:nvCxnSpPr>
+          <p:cNvPr id="14" name="Conector recto de flecha 12">
+            <a:extLst>
+              <a:ext uri="{FF2B5EF4-FFF2-40B4-BE49-F238E27FC236}">
+                <a16:creationId xmlns:a16="http://schemas.microsoft.com/office/drawing/2014/main" id="{6D9D55EC-ECDD-D7F0-634C-54DD72F1013F}"/>
+              </a:ext>
+            </a:extLst>
+          </p:cNvPr>
+          <p:cNvCxnSpPr>
+            <a:cxnSpLocks/>
+            <a:stCxn id="6" idx="2"/>
+            <a:endCxn id="7" idx="0"/>
+          </p:cNvCxnSpPr>
+          <p:nvPr/>
+        </p:nvCxnSpPr>
+        <p:spPr>
+          <a:xfrm>
+            <a:off x="2414214" y="2479598"/>
+            <a:ext cx="2698" cy="322526"/>
+          </a:xfrm>
+          <a:prstGeom prst="straightConnector1">
+            <a:avLst/>
+          </a:prstGeom>
+          <a:ln>
+            <a:tailEnd type="triangle"/>
+          </a:ln>
+        </p:spPr>
+        <p:style>
+          <a:lnRef idx="1">
+            <a:schemeClr val="accent1"/>
+          </a:lnRef>
+          <a:fillRef idx="0">
+            <a:schemeClr val="accent1"/>
+          </a:fillRef>
+          <a:effectRef idx="0">
+            <a:schemeClr val="accent1"/>
+          </a:effectRef>
+          <a:fontRef idx="minor">
+            <a:schemeClr val="tx1"/>
+          </a:fontRef>
+        </p:style>
+      </p:cxnSp>
+      <p:cxnSp>
+        <p:nvCxnSpPr>
+          <p:cNvPr id="15" name="Conector recto de flecha 12">
+            <a:extLst>
+              <a:ext uri="{FF2B5EF4-FFF2-40B4-BE49-F238E27FC236}">
+                <a16:creationId xmlns:a16="http://schemas.microsoft.com/office/drawing/2014/main" id="{C7A9EB25-20A8-9424-11D6-8CF796C4F600}"/>
+              </a:ext>
+            </a:extLst>
+          </p:cNvPr>
+          <p:cNvCxnSpPr>
+            <a:cxnSpLocks/>
+            <a:stCxn id="7" idx="2"/>
+            <a:endCxn id="3" idx="0"/>
+          </p:cNvCxnSpPr>
+          <p:nvPr/>
+        </p:nvCxnSpPr>
+        <p:spPr>
+          <a:xfrm>
+            <a:off x="2416912" y="4000859"/>
+            <a:ext cx="3399" cy="354261"/>
+          </a:xfrm>
+          <a:prstGeom prst="straightConnector1">
+            <a:avLst/>
+          </a:prstGeom>
+          <a:ln>
+            <a:tailEnd type="triangle"/>
+          </a:ln>
+        </p:spPr>
+        <p:style>
+          <a:lnRef idx="1">
+            <a:schemeClr val="accent1"/>
+          </a:lnRef>
+          <a:fillRef idx="0">
+            <a:schemeClr val="accent1"/>
+          </a:fillRef>
+          <a:effectRef idx="0">
+            <a:schemeClr val="accent1"/>
+          </a:effectRef>
+          <a:fontRef idx="minor">
+            <a:schemeClr val="tx1"/>
+          </a:fontRef>
+        </p:style>
+      </p:cxnSp>
+      <p:cxnSp>
+        <p:nvCxnSpPr>
+          <p:cNvPr id="16" name="Connector: Elbow 15">
+            <a:extLst>
+              <a:ext uri="{FF2B5EF4-FFF2-40B4-BE49-F238E27FC236}">
+                <a16:creationId xmlns:a16="http://schemas.microsoft.com/office/drawing/2014/main" id="{FD36D794-F73B-9671-A15D-55780DBA6219}"/>
+              </a:ext>
+            </a:extLst>
+          </p:cNvPr>
+          <p:cNvCxnSpPr>
+            <a:stCxn id="6" idx="3"/>
+            <a:endCxn id="2" idx="0"/>
+          </p:cNvCxnSpPr>
+          <p:nvPr/>
+        </p:nvCxnSpPr>
+        <p:spPr>
+          <a:xfrm>
+            <a:off x="3793309" y="2247251"/>
+            <a:ext cx="3443142" cy="2107869"/>
+          </a:xfrm>
+          <a:prstGeom prst="bentConnector2">
+            <a:avLst/>
+          </a:prstGeom>
+          <a:ln>
+            <a:tailEnd type="triangle"/>
+          </a:ln>
+        </p:spPr>
+        <p:style>
+          <a:lnRef idx="1">
+            <a:schemeClr val="accent1"/>
+          </a:lnRef>
+          <a:fillRef idx="0">
+            <a:schemeClr val="accent1"/>
+          </a:fillRef>
+          <a:effectRef idx="0">
+            <a:schemeClr val="accent1"/>
+          </a:effectRef>
+          <a:fontRef idx="minor">
+            <a:schemeClr val="tx1"/>
+          </a:fontRef>
+        </p:style>
+      </p:cxnSp>
+    </p:spTree>
+    <p:extLst>
+      <p:ext uri="{BB962C8B-B14F-4D97-AF65-F5344CB8AC3E}">
+        <p14:creationId xmlns:p14="http://schemas.microsoft.com/office/powerpoint/2010/main" val="584041738"/>
       </p:ext>
     </p:extLst>
   </p:cSld>
